--- a/mkdocs/docs/images/src/session-affinity-exp.pptx
+++ b/mkdocs/docs/images/src/session-affinity-exp.pptx
@@ -197,7 +197,7 @@
           <a:p>
             <a:fld id="{38B78CBE-37FA-D241-BB4C-CAC5D3B25F49}" type="datetimeFigureOut">
               <a:rPr lang="en-US" smtClean="0"/>
-              <a:t>5/18/21</a:t>
+              <a:t>6/16/21</a:t>
             </a:fld>
             <a:endParaRPr lang="en-US"/>
           </a:p>
@@ -611,7 +611,7 @@
           <a:p>
             <a:fld id="{708812C5-0212-FD42-A0D4-E2E8FF4E3AF5}" type="datetime1">
               <a:rPr lang="en-US" smtClean="0"/>
-              <a:t>5/18/21</a:t>
+              <a:t>6/16/21</a:t>
             </a:fld>
             <a:endParaRPr lang="en-US"/>
           </a:p>
@@ -812,7 +812,7 @@
           <a:p>
             <a:fld id="{D232AC6F-41C3-B34B-9BAA-03ED2F3BC0F6}" type="datetime1">
               <a:rPr lang="en-US" smtClean="0"/>
-              <a:t>5/18/21</a:t>
+              <a:t>6/16/21</a:t>
             </a:fld>
             <a:endParaRPr lang="en-US"/>
           </a:p>
@@ -1023,7 +1023,7 @@
           <a:p>
             <a:fld id="{BEE140C2-F440-9D49-95CB-5965D64CC4A2}" type="datetime1">
               <a:rPr lang="en-US" smtClean="0"/>
-              <a:t>5/18/21</a:t>
+              <a:t>6/16/21</a:t>
             </a:fld>
             <a:endParaRPr lang="en-US"/>
           </a:p>
@@ -1224,7 +1224,7 @@
           <a:p>
             <a:fld id="{CC99F980-FB29-FD47-8508-150F73F1E8B0}" type="datetime1">
               <a:rPr lang="en-US" smtClean="0"/>
-              <a:t>5/18/21</a:t>
+              <a:t>6/16/21</a:t>
             </a:fld>
             <a:endParaRPr lang="en-US"/>
           </a:p>
@@ -1502,7 +1502,7 @@
           <a:p>
             <a:fld id="{D4510983-EA22-9643-8AC0-B3C6499B643B}" type="datetime1">
               <a:rPr lang="en-US" smtClean="0"/>
-              <a:t>5/18/21</a:t>
+              <a:t>6/16/21</a:t>
             </a:fld>
             <a:endParaRPr lang="en-US"/>
           </a:p>
@@ -1770,7 +1770,7 @@
           <a:p>
             <a:fld id="{D5A39195-967D-5D4E-8C6A-C99866996458}" type="datetime1">
               <a:rPr lang="en-US" smtClean="0"/>
-              <a:t>5/18/21</a:t>
+              <a:t>6/16/21</a:t>
             </a:fld>
             <a:endParaRPr lang="en-US"/>
           </a:p>
@@ -2185,7 +2185,7 @@
           <a:p>
             <a:fld id="{5AD771E9-C79D-684D-A158-5EB6E92DE947}" type="datetime1">
               <a:rPr lang="en-US" smtClean="0"/>
-              <a:t>5/18/21</a:t>
+              <a:t>6/16/21</a:t>
             </a:fld>
             <a:endParaRPr lang="en-US"/>
           </a:p>
@@ -2329,7 +2329,7 @@
           <a:p>
             <a:fld id="{693CA161-7E4C-5C4B-B799-DB602A0B9806}" type="datetime1">
               <a:rPr lang="en-US" smtClean="0"/>
-              <a:t>5/18/21</a:t>
+              <a:t>6/16/21</a:t>
             </a:fld>
             <a:endParaRPr lang="en-US"/>
           </a:p>
@@ -2445,7 +2445,7 @@
           <a:p>
             <a:fld id="{6D55FDF3-8BB2-6349-A5FA-057F3D78953D}" type="datetime1">
               <a:rPr lang="en-US" smtClean="0"/>
-              <a:t>5/18/21</a:t>
+              <a:t>6/16/21</a:t>
             </a:fld>
             <a:endParaRPr lang="en-US"/>
           </a:p>
@@ -2759,7 +2759,7 @@
           <a:p>
             <a:fld id="{EEDFACC0-3228-BA4B-942E-CEF38B0101FD}" type="datetime1">
               <a:rPr lang="en-US" smtClean="0"/>
-              <a:t>5/18/21</a:t>
+              <a:t>6/16/21</a:t>
             </a:fld>
             <a:endParaRPr lang="en-US"/>
           </a:p>
@@ -3050,7 +3050,7 @@
           <a:p>
             <a:fld id="{07EEEDBE-E24C-D140-B419-6D8D592D0F1C}" type="datetime1">
               <a:rPr lang="en-US" smtClean="0"/>
-              <a:t>5/18/21</a:t>
+              <a:t>6/16/21</a:t>
             </a:fld>
             <a:endParaRPr lang="en-US"/>
           </a:p>
@@ -3294,7 +3294,7 @@
           <a:p>
             <a:fld id="{E05781A2-A5EF-C54C-A3EF-F62483D37EDC}" type="datetime1">
               <a:rPr lang="en-US" smtClean="0"/>
-              <a:t>5/18/21</a:t>
+              <a:t>6/16/21</a:t>
             </a:fld>
             <a:endParaRPr lang="en-US"/>
           </a:p>
@@ -4362,7 +4362,7 @@
                   <a:schemeClr val="bg1"/>
                 </a:solidFill>
               </a:rPr>
-              <a:t>v1.0</a:t>
+              <a:t>v1</a:t>
             </a:r>
           </a:p>
         </p:txBody>
@@ -4427,7 +4427,7 @@
                   <a:schemeClr val="bg1"/>
                 </a:solidFill>
               </a:rPr>
-              <a:t>v2.0</a:t>
+              <a:t>v2</a:t>
             </a:r>
           </a:p>
         </p:txBody>
@@ -5107,7 +5107,7 @@
                   <a:schemeClr val="bg1"/>
                 </a:solidFill>
               </a:rPr>
-              <a:t>v1.0</a:t>
+              <a:t>v1</a:t>
             </a:r>
           </a:p>
         </p:txBody>
@@ -5172,7 +5172,7 @@
                   <a:schemeClr val="bg1"/>
                 </a:solidFill>
               </a:rPr>
-              <a:t>v2.0</a:t>
+              <a:t>v2</a:t>
             </a:r>
           </a:p>
         </p:txBody>
@@ -5612,7 +5612,7 @@
                   <a:schemeClr val="bg1"/>
                 </a:solidFill>
               </a:rPr>
-              <a:t>v1.0</a:t>
+              <a:t>v1</a:t>
             </a:r>
           </a:p>
         </p:txBody>
@@ -5677,7 +5677,7 @@
                   <a:schemeClr val="bg1"/>
                 </a:solidFill>
               </a:rPr>
-              <a:t>v2.0</a:t>
+              <a:t>v2</a:t>
             </a:r>
           </a:p>
         </p:txBody>
@@ -5786,7 +5786,7 @@
         </p:nvSpPr>
         <p:spPr>
           <a:xfrm>
-            <a:off x="10738909" y="4268270"/>
+            <a:off x="10738909" y="3963473"/>
             <a:ext cx="1170215" cy="674914"/>
           </a:xfrm>
           <a:prstGeom prst="roundRect">
@@ -5849,7 +5849,7 @@
         </p:nvSpPr>
         <p:spPr>
           <a:xfrm>
-            <a:off x="10597395" y="4378341"/>
+            <a:off x="10597395" y="4073544"/>
             <a:ext cx="1170215" cy="674914"/>
           </a:xfrm>
           <a:prstGeom prst="roundRect">
@@ -5912,7 +5912,7 @@
         </p:nvSpPr>
         <p:spPr>
           <a:xfrm>
-            <a:off x="10466766" y="4514413"/>
+            <a:off x="10466766" y="4209616"/>
             <a:ext cx="1170215" cy="674914"/>
           </a:xfrm>
           <a:prstGeom prst="roundRect">
@@ -5958,7 +5958,7 @@
                   <a:schemeClr val="bg1"/>
                 </a:solidFill>
               </a:rPr>
-              <a:t>v2.0</a:t>
+              <a:t>v2</a:t>
             </a:r>
           </a:p>
         </p:txBody>
@@ -6136,7 +6136,7 @@
         </p:nvSpPr>
         <p:spPr>
           <a:xfrm>
-            <a:off x="10630924" y="5153051"/>
+            <a:off x="10630924" y="4848254"/>
             <a:ext cx="841897" cy="369332"/>
           </a:xfrm>
           <a:prstGeom prst="rect">
@@ -6371,7 +6371,7 @@
         </p:blipFill>
         <p:spPr>
           <a:xfrm>
-            <a:off x="9887531" y="4566387"/>
+            <a:off x="9887531" y="4261590"/>
             <a:ext cx="570967" cy="570967"/>
           </a:xfrm>
           <a:prstGeom prst="rect">
@@ -6487,577 +6487,6 @@
           </a:fontRef>
         </p:style>
       </p:cxnSp>
-      <p:sp>
-        <p:nvSpPr>
-          <p:cNvPr id="69" name="TextBox 68">
-            <a:extLst>
-              <a:ext uri="{FF2B5EF4-FFF2-40B4-BE49-F238E27FC236}">
-                <a16:creationId xmlns:a16="http://schemas.microsoft.com/office/drawing/2014/main" id="{2F4A43E7-9873-8946-940E-AAB88C18E03A}"/>
-              </a:ext>
-            </a:extLst>
-          </p:cNvPr>
-          <p:cNvSpPr txBox="1"/>
-          <p:nvPr/>
-        </p:nvSpPr>
-        <p:spPr>
-          <a:xfrm>
-            <a:off x="10002425" y="3867955"/>
-            <a:ext cx="1692066" cy="338554"/>
-          </a:xfrm>
-          <a:prstGeom prst="rect">
-            <a:avLst/>
-          </a:prstGeom>
-          <a:noFill/>
-        </p:spPr>
-        <p:txBody>
-          <a:bodyPr wrap="none" rtlCol="0">
-            <a:spAutoFit/>
-          </a:bodyPr>
-          <a:lstStyle/>
-          <a:p>
-            <a:r>
-              <a:rPr lang="en-US" sz="1600" dirty="0" err="1">
-                <a:solidFill>
-                  <a:srgbClr val="C00000"/>
-                </a:solidFill>
-              </a:rPr>
-              <a:t>kubectl</a:t>
-            </a:r>
-            <a:r>
-              <a:rPr lang="en-US" sz="1600" dirty="0">
-                <a:solidFill>
-                  <a:srgbClr val="C00000"/>
-                </a:solidFill>
-              </a:rPr>
-              <a:t> apply –f …</a:t>
-            </a:r>
-          </a:p>
-        </p:txBody>
-      </p:sp>
-      <p:sp>
-        <p:nvSpPr>
-          <p:cNvPr id="108" name="TextBox 107">
-            <a:extLst>
-              <a:ext uri="{FF2B5EF4-FFF2-40B4-BE49-F238E27FC236}">
-                <a16:creationId xmlns:a16="http://schemas.microsoft.com/office/drawing/2014/main" id="{E1F0B391-8A3F-AA44-ABF4-299E983ECBAB}"/>
-              </a:ext>
-            </a:extLst>
-          </p:cNvPr>
-          <p:cNvSpPr txBox="1"/>
-          <p:nvPr/>
-        </p:nvSpPr>
-        <p:spPr>
-          <a:xfrm>
-            <a:off x="10030680" y="2806903"/>
-            <a:ext cx="1165897" cy="369332"/>
-          </a:xfrm>
-          <a:prstGeom prst="rect">
-            <a:avLst/>
-          </a:prstGeom>
-          <a:noFill/>
-        </p:spPr>
-        <p:txBody>
-          <a:bodyPr wrap="none" rtlCol="0">
-            <a:spAutoFit/>
-          </a:bodyPr>
-          <a:lstStyle/>
-          <a:p>
-            <a:pPr marL="0" marR="0" lvl="0" indent="0" algn="l" defTabSz="914400" rtl="0" eaLnBrk="1" fontAlgn="auto" latinLnBrk="0" hangingPunct="1">
-              <a:lnSpc>
-                <a:spcPct val="100000"/>
-              </a:lnSpc>
-              <a:spcBef>
-                <a:spcPts val="0"/>
-              </a:spcBef>
-              <a:spcAft>
-                <a:spcPts val="0"/>
-              </a:spcAft>
-              <a:buClrTx/>
-              <a:buSzTx/>
-              <a:buFontTx/>
-              <a:buNone/>
-              <a:tabLst/>
-              <a:defRPr/>
-            </a:pPr>
-            <a:r>
-              <a:rPr kumimoji="0" lang="en-US" sz="1800" b="0" i="0" u="none" strike="noStrike" kern="1200" cap="none" spc="0" normalizeH="0" baseline="0" noProof="0" dirty="0">
-                <a:ln>
-                  <a:noFill/>
-                </a:ln>
-                <a:solidFill>
-                  <a:prstClr val="black"/>
-                </a:solidFill>
-                <a:effectLst/>
-                <a:uLnTx/>
-                <a:uFillTx/>
-                <a:latin typeface="Calibri" panose="020F0502020204030204"/>
-                <a:ea typeface="+mn-ea"/>
-                <a:cs typeface="+mn-cs"/>
-              </a:rPr>
-              <a:t>L</a:t>
-            </a:r>
-            <a:r>
-              <a:rPr kumimoji="0" lang="en-US" sz="1800" b="0" i="0" u="none" strike="noStrike" kern="1200" cap="none" spc="0" normalizeH="0" baseline="0" noProof="0" dirty="0" err="1">
-                <a:ln>
-                  <a:noFill/>
-                </a:ln>
-                <a:solidFill>
-                  <a:prstClr val="black"/>
-                </a:solidFill>
-                <a:effectLst/>
-                <a:uLnTx/>
-                <a:uFillTx/>
-                <a:latin typeface="Calibri" panose="020F0502020204030204"/>
-                <a:ea typeface="+mn-ea"/>
-                <a:cs typeface="+mn-cs"/>
-              </a:rPr>
-              <a:t>atency</a:t>
-            </a:r>
-            <a:r>
-              <a:rPr kumimoji="0" lang="en-US" sz="1800" b="0" i="0" u="none" strike="noStrike" kern="1200" cap="none" spc="0" normalizeH="0" baseline="0" noProof="0" dirty="0">
-                <a:ln>
-                  <a:noFill/>
-                </a:ln>
-                <a:solidFill>
-                  <a:prstClr val="black"/>
-                </a:solidFill>
-                <a:effectLst/>
-                <a:uLnTx/>
-                <a:uFillTx/>
-                <a:latin typeface="Calibri" panose="020F0502020204030204"/>
-                <a:ea typeface="+mn-ea"/>
-                <a:cs typeface="+mn-cs"/>
-              </a:rPr>
-              <a:t> </a:t>
-            </a:r>
-            <a:r>
-              <a:rPr kumimoji="0" lang="en-US" sz="1800" b="1" i="0" u="none" strike="noStrike" kern="1200" cap="none" spc="0" normalizeH="0" baseline="0" noProof="0" dirty="0">
-                <a:ln>
-                  <a:noFill/>
-                </a:ln>
-                <a:solidFill>
-                  <a:srgbClr val="70AD47">
-                    <a:lumMod val="50000"/>
-                  </a:srgbClr>
-                </a:solidFill>
-                <a:effectLst/>
-                <a:uLnTx/>
-                <a:uFillTx/>
-                <a:latin typeface="Calibri" panose="020F0502020204030204"/>
-                <a:ea typeface="+mn-ea"/>
-                <a:cs typeface="+mn-cs"/>
-              </a:rPr>
-              <a:t>↓</a:t>
-            </a:r>
-          </a:p>
-        </p:txBody>
-      </p:sp>
-      <p:pic>
-        <p:nvPicPr>
-          <p:cNvPr id="109" name="Graphic 108" descr="Checkbox Checked">
-            <a:extLst>
-              <a:ext uri="{FF2B5EF4-FFF2-40B4-BE49-F238E27FC236}">
-                <a16:creationId xmlns:a16="http://schemas.microsoft.com/office/drawing/2014/main" id="{B68DFA95-B2F9-AD49-A9BE-9B05F7AAFEA4}"/>
-              </a:ext>
-            </a:extLst>
-          </p:cNvPr>
-          <p:cNvPicPr>
-            <a:picLocks noChangeAspect="1"/>
-          </p:cNvPicPr>
-          <p:nvPr/>
-        </p:nvPicPr>
-        <p:blipFill>
-          <a:blip r:embed="rId26">
-            <a:extLst>
-              <a:ext uri="{96DAC541-7B7A-43D3-8B79-37D633B846F1}">
-                <asvg:svgBlip xmlns:asvg="http://schemas.microsoft.com/office/drawing/2016/SVG/main" r:embed="rId27"/>
-              </a:ext>
-            </a:extLst>
-          </a:blip>
-          <a:stretch>
-            <a:fillRect/>
-          </a:stretch>
-        </p:blipFill>
-        <p:spPr>
-          <a:xfrm>
-            <a:off x="9610064" y="2724665"/>
-            <a:ext cx="533808" cy="533808"/>
-          </a:xfrm>
-          <a:prstGeom prst="rect">
-            <a:avLst/>
-          </a:prstGeom>
-        </p:spPr>
-      </p:pic>
-      <p:sp>
-        <p:nvSpPr>
-          <p:cNvPr id="110" name="TextBox 109">
-            <a:extLst>
-              <a:ext uri="{FF2B5EF4-FFF2-40B4-BE49-F238E27FC236}">
-                <a16:creationId xmlns:a16="http://schemas.microsoft.com/office/drawing/2014/main" id="{24A1E15C-42D7-0A4E-A1B8-A4205188F7DD}"/>
-              </a:ext>
-            </a:extLst>
-          </p:cNvPr>
-          <p:cNvSpPr txBox="1"/>
-          <p:nvPr/>
-        </p:nvSpPr>
-        <p:spPr>
-          <a:xfrm>
-            <a:off x="10030680" y="1964916"/>
-            <a:ext cx="2103140" cy="369332"/>
-          </a:xfrm>
-          <a:prstGeom prst="rect">
-            <a:avLst/>
-          </a:prstGeom>
-          <a:noFill/>
-        </p:spPr>
-        <p:txBody>
-          <a:bodyPr wrap="none" rtlCol="0">
-            <a:spAutoFit/>
-          </a:bodyPr>
-          <a:lstStyle/>
-          <a:p>
-            <a:pPr marL="0" marR="0" lvl="0" indent="0" algn="l" defTabSz="914400" rtl="0" eaLnBrk="1" fontAlgn="auto" latinLnBrk="0" hangingPunct="1">
-              <a:lnSpc>
-                <a:spcPct val="100000"/>
-              </a:lnSpc>
-              <a:spcBef>
-                <a:spcPts val="0"/>
-              </a:spcBef>
-              <a:spcAft>
-                <a:spcPts val="0"/>
-              </a:spcAft>
-              <a:buClrTx/>
-              <a:buSzTx/>
-              <a:buFontTx/>
-              <a:buNone/>
-              <a:tabLst/>
-              <a:defRPr/>
-            </a:pPr>
-            <a:r>
-              <a:rPr kumimoji="0" lang="en-US" sz="1800" b="0" i="0" u="none" strike="noStrike" kern="1200" cap="none" spc="0" normalizeH="0" baseline="0" noProof="0" dirty="0">
-                <a:ln>
-                  <a:noFill/>
-                </a:ln>
-                <a:solidFill>
-                  <a:prstClr val="black"/>
-                </a:solidFill>
-                <a:effectLst/>
-                <a:uLnTx/>
-                <a:uFillTx/>
-                <a:latin typeface="Calibri" panose="020F0502020204030204"/>
-                <a:ea typeface="+mn-ea"/>
-                <a:cs typeface="+mn-cs"/>
-              </a:rPr>
-              <a:t>User engagement </a:t>
-            </a:r>
-            <a:r>
-              <a:rPr kumimoji="0" lang="en-US" sz="1800" b="1" i="0" u="none" strike="noStrike" kern="1200" cap="none" spc="0" normalizeH="0" baseline="0" noProof="0" dirty="0">
-                <a:ln>
-                  <a:noFill/>
-                </a:ln>
-                <a:solidFill>
-                  <a:srgbClr val="70AD47">
-                    <a:lumMod val="50000"/>
-                  </a:srgbClr>
-                </a:solidFill>
-                <a:effectLst/>
-                <a:uLnTx/>
-                <a:uFillTx/>
-                <a:latin typeface="Calibri" panose="020F0502020204030204"/>
-                <a:ea typeface="+mn-ea"/>
-                <a:cs typeface="+mn-cs"/>
-              </a:rPr>
-              <a:t>↑</a:t>
-            </a:r>
-          </a:p>
-        </p:txBody>
-      </p:sp>
-      <p:pic>
-        <p:nvPicPr>
-          <p:cNvPr id="111" name="Graphic 110" descr="Checkbox Checked">
-            <a:extLst>
-              <a:ext uri="{FF2B5EF4-FFF2-40B4-BE49-F238E27FC236}">
-                <a16:creationId xmlns:a16="http://schemas.microsoft.com/office/drawing/2014/main" id="{F3782F85-7A50-2442-8781-3E69C369BB39}"/>
-              </a:ext>
-            </a:extLst>
-          </p:cNvPr>
-          <p:cNvPicPr>
-            <a:picLocks noChangeAspect="1"/>
-          </p:cNvPicPr>
-          <p:nvPr/>
-        </p:nvPicPr>
-        <p:blipFill>
-          <a:blip r:embed="rId26">
-            <a:extLst>
-              <a:ext uri="{96DAC541-7B7A-43D3-8B79-37D633B846F1}">
-                <asvg:svgBlip xmlns:asvg="http://schemas.microsoft.com/office/drawing/2016/SVG/main" r:embed="rId27"/>
-              </a:ext>
-            </a:extLst>
-          </a:blip>
-          <a:stretch>
-            <a:fillRect/>
-          </a:stretch>
-        </p:blipFill>
-        <p:spPr>
-          <a:xfrm>
-            <a:off x="9610064" y="1882678"/>
-            <a:ext cx="533808" cy="533808"/>
-          </a:xfrm>
-          <a:prstGeom prst="rect">
-            <a:avLst/>
-          </a:prstGeom>
-        </p:spPr>
-      </p:pic>
-      <p:sp>
-        <p:nvSpPr>
-          <p:cNvPr id="112" name="TextBox 111">
-            <a:extLst>
-              <a:ext uri="{FF2B5EF4-FFF2-40B4-BE49-F238E27FC236}">
-                <a16:creationId xmlns:a16="http://schemas.microsoft.com/office/drawing/2014/main" id="{CB02B70A-DD15-F842-BD7F-6155F64538B2}"/>
-              </a:ext>
-            </a:extLst>
-          </p:cNvPr>
-          <p:cNvSpPr txBox="1"/>
-          <p:nvPr/>
-        </p:nvSpPr>
-        <p:spPr>
-          <a:xfrm>
-            <a:off x="10031143" y="3269243"/>
-            <a:ext cx="1343381" cy="369332"/>
-          </a:xfrm>
-          <a:prstGeom prst="rect">
-            <a:avLst/>
-          </a:prstGeom>
-          <a:noFill/>
-        </p:spPr>
-        <p:txBody>
-          <a:bodyPr wrap="none" rtlCol="0">
-            <a:spAutoFit/>
-          </a:bodyPr>
-          <a:lstStyle/>
-          <a:p>
-            <a:pPr marL="0" marR="0" lvl="0" indent="0" algn="l" defTabSz="914400" rtl="0" eaLnBrk="1" fontAlgn="auto" latinLnBrk="0" hangingPunct="1">
-              <a:lnSpc>
-                <a:spcPct val="100000"/>
-              </a:lnSpc>
-              <a:spcBef>
-                <a:spcPts val="0"/>
-              </a:spcBef>
-              <a:spcAft>
-                <a:spcPts val="0"/>
-              </a:spcAft>
-              <a:buClrTx/>
-              <a:buSzTx/>
-              <a:buFontTx/>
-              <a:buNone/>
-              <a:tabLst/>
-              <a:defRPr/>
-            </a:pPr>
-            <a:r>
-              <a:rPr kumimoji="0" lang="en-US" sz="1800" b="0" i="0" u="none" strike="noStrike" kern="1200" cap="none" spc="0" normalizeH="0" baseline="0" noProof="0" dirty="0">
-                <a:ln>
-                  <a:noFill/>
-                </a:ln>
-                <a:solidFill>
-                  <a:prstClr val="black"/>
-                </a:solidFill>
-                <a:effectLst/>
-                <a:uLnTx/>
-                <a:uFillTx/>
-                <a:latin typeface="Calibri" panose="020F0502020204030204"/>
-                <a:ea typeface="+mn-ea"/>
-                <a:cs typeface="+mn-cs"/>
-              </a:rPr>
-              <a:t>Error rate </a:t>
-            </a:r>
-            <a:r>
-              <a:rPr kumimoji="0" lang="en-US" sz="1800" b="1" i="0" u="none" strike="noStrike" kern="1200" cap="none" spc="0" normalizeH="0" baseline="0" noProof="0" dirty="0">
-                <a:ln>
-                  <a:noFill/>
-                </a:ln>
-                <a:solidFill>
-                  <a:srgbClr val="70AD47">
-                    <a:lumMod val="50000"/>
-                  </a:srgbClr>
-                </a:solidFill>
-                <a:effectLst/>
-                <a:uLnTx/>
-                <a:uFillTx/>
-                <a:latin typeface="Calibri" panose="020F0502020204030204"/>
-                <a:ea typeface="+mn-ea"/>
-                <a:cs typeface="+mn-cs"/>
-              </a:rPr>
-              <a:t>↓</a:t>
-            </a:r>
-          </a:p>
-        </p:txBody>
-      </p:sp>
-      <p:pic>
-        <p:nvPicPr>
-          <p:cNvPr id="113" name="Graphic 112" descr="Checkbox Checked">
-            <a:extLst>
-              <a:ext uri="{FF2B5EF4-FFF2-40B4-BE49-F238E27FC236}">
-                <a16:creationId xmlns:a16="http://schemas.microsoft.com/office/drawing/2014/main" id="{8DA408A8-2E57-8B42-9CBC-3DDF016F280F}"/>
-              </a:ext>
-            </a:extLst>
-          </p:cNvPr>
-          <p:cNvPicPr>
-            <a:picLocks noChangeAspect="1"/>
-          </p:cNvPicPr>
-          <p:nvPr/>
-        </p:nvPicPr>
-        <p:blipFill>
-          <a:blip r:embed="rId26">
-            <a:extLst>
-              <a:ext uri="{96DAC541-7B7A-43D3-8B79-37D633B846F1}">
-                <asvg:svgBlip xmlns:asvg="http://schemas.microsoft.com/office/drawing/2016/SVG/main" r:embed="rId27"/>
-              </a:ext>
-            </a:extLst>
-          </a:blip>
-          <a:stretch>
-            <a:fillRect/>
-          </a:stretch>
-        </p:blipFill>
-        <p:spPr>
-          <a:xfrm>
-            <a:off x="9610527" y="3187005"/>
-            <a:ext cx="533808" cy="533808"/>
-          </a:xfrm>
-          <a:prstGeom prst="rect">
-            <a:avLst/>
-          </a:prstGeom>
-        </p:spPr>
-      </p:pic>
-      <p:sp>
-        <p:nvSpPr>
-          <p:cNvPr id="114" name="TextBox 113">
-            <a:extLst>
-              <a:ext uri="{FF2B5EF4-FFF2-40B4-BE49-F238E27FC236}">
-                <a16:creationId xmlns:a16="http://schemas.microsoft.com/office/drawing/2014/main" id="{2D458D65-82A0-E949-818D-7481256FFFEE}"/>
-              </a:ext>
-            </a:extLst>
-          </p:cNvPr>
-          <p:cNvSpPr txBox="1"/>
-          <p:nvPr/>
-        </p:nvSpPr>
-        <p:spPr>
-          <a:xfrm>
-            <a:off x="9649898" y="1656185"/>
-            <a:ext cx="910570" cy="369332"/>
-          </a:xfrm>
-          <a:prstGeom prst="rect">
-            <a:avLst/>
-          </a:prstGeom>
-          <a:noFill/>
-        </p:spPr>
-        <p:txBody>
-          <a:bodyPr wrap="none" rtlCol="0">
-            <a:spAutoFit/>
-          </a:bodyPr>
-          <a:lstStyle/>
-          <a:p>
-            <a:pPr marL="0" marR="0" lvl="0" indent="0" algn="l" defTabSz="914400" rtl="0" eaLnBrk="1" fontAlgn="auto" latinLnBrk="0" hangingPunct="1">
-              <a:lnSpc>
-                <a:spcPct val="100000"/>
-              </a:lnSpc>
-              <a:spcBef>
-                <a:spcPts val="0"/>
-              </a:spcBef>
-              <a:spcAft>
-                <a:spcPts val="0"/>
-              </a:spcAft>
-              <a:buClrTx/>
-              <a:buSzTx/>
-              <a:buFontTx/>
-              <a:buNone/>
-              <a:tabLst/>
-              <a:defRPr/>
-            </a:pPr>
-            <a:r>
-              <a:rPr kumimoji="0" lang="en-US" sz="1800" b="1" i="0" u="none" strike="noStrike" kern="1200" cap="none" spc="0" normalizeH="0" baseline="0" noProof="0" dirty="0">
-                <a:ln>
-                  <a:noFill/>
-                </a:ln>
-                <a:solidFill>
-                  <a:srgbClr val="C00000"/>
-                </a:solidFill>
-                <a:effectLst/>
-                <a:uLnTx/>
-                <a:uFillTx/>
-                <a:latin typeface="Calibri" panose="020F0502020204030204"/>
-                <a:ea typeface="+mn-ea"/>
-                <a:cs typeface="+mn-cs"/>
-              </a:rPr>
-              <a:t>Reward</a:t>
-            </a:r>
-          </a:p>
-        </p:txBody>
-      </p:sp>
-      <p:sp>
-        <p:nvSpPr>
-          <p:cNvPr id="115" name="TextBox 114">
-            <a:extLst>
-              <a:ext uri="{FF2B5EF4-FFF2-40B4-BE49-F238E27FC236}">
-                <a16:creationId xmlns:a16="http://schemas.microsoft.com/office/drawing/2014/main" id="{228AEE4F-D001-464B-B346-974D23B36B48}"/>
-              </a:ext>
-            </a:extLst>
-          </p:cNvPr>
-          <p:cNvSpPr txBox="1"/>
-          <p:nvPr/>
-        </p:nvSpPr>
-        <p:spPr>
-          <a:xfrm>
-            <a:off x="9649898" y="2448611"/>
-            <a:ext cx="1184427" cy="369332"/>
-          </a:xfrm>
-          <a:prstGeom prst="rect">
-            <a:avLst/>
-          </a:prstGeom>
-          <a:noFill/>
-        </p:spPr>
-        <p:txBody>
-          <a:bodyPr wrap="none" rtlCol="0">
-            <a:spAutoFit/>
-          </a:bodyPr>
-          <a:lstStyle/>
-          <a:p>
-            <a:pPr marL="0" marR="0" lvl="0" indent="0" algn="l" defTabSz="914400" rtl="0" eaLnBrk="1" fontAlgn="auto" latinLnBrk="0" hangingPunct="1">
-              <a:lnSpc>
-                <a:spcPct val="100000"/>
-              </a:lnSpc>
-              <a:spcBef>
-                <a:spcPts val="0"/>
-              </a:spcBef>
-              <a:spcAft>
-                <a:spcPts val="0"/>
-              </a:spcAft>
-              <a:buClrTx/>
-              <a:buSzTx/>
-              <a:buFontTx/>
-              <a:buNone/>
-              <a:tabLst/>
-              <a:defRPr/>
-            </a:pPr>
-            <a:r>
-              <a:rPr kumimoji="0" lang="en-US" sz="1800" b="1" i="0" u="none" strike="noStrike" kern="1200" cap="none" spc="0" normalizeH="0" baseline="0" noProof="0" dirty="0">
-                <a:ln>
-                  <a:noFill/>
-                </a:ln>
-                <a:solidFill>
-                  <a:srgbClr val="C00000"/>
-                </a:solidFill>
-                <a:effectLst/>
-                <a:uLnTx/>
-                <a:uFillTx/>
-                <a:latin typeface="Calibri" panose="020F0502020204030204"/>
-                <a:ea typeface="+mn-ea"/>
-                <a:cs typeface="+mn-cs"/>
-              </a:rPr>
-              <a:t>Objectives</a:t>
-            </a:r>
-          </a:p>
-        </p:txBody>
-      </p:sp>
       <p:sp>
         <p:nvSpPr>
           <p:cNvPr id="5" name="TextBox 4">
